--- a/Presentation1.pptx
+++ b/Presentation1.pptx
@@ -6,6 +6,8 @@
   </p:sldMasterIdLst>
   <p:sldIdLst>
     <p:sldId id="256" r:id="rId2"/>
+    <p:sldId id="258" r:id="rId3"/>
+    <p:sldId id="257" r:id="rId4"/>
   </p:sldIdLst>
   <p:sldSz cx="12192000" cy="6858000"/>
   <p:notesSz cx="6858000" cy="9144000"/>
@@ -104,6 +106,11 @@
       </a:defRPr>
     </a:lvl9pPr>
   </p:defaultTextStyle>
+  <p:extLst>
+    <p:ext uri="{EFAFB233-063F-42B5-8137-9DF3F51BA10A}">
+      <p15:sldGuideLst xmlns:p15="http://schemas.microsoft.com/office/powerpoint/2012/main"/>
+    </p:ext>
+  </p:extLst>
 </p:presentation>
 </file>
 
@@ -3372,7 +3379,7 @@
         </p:blipFill>
         <p:spPr>
           <a:xfrm>
-            <a:off x="643468" y="2776458"/>
+            <a:off x="643467" y="2136377"/>
             <a:ext cx="5291666" cy="3527777"/>
           </a:xfrm>
           <a:prstGeom prst="rect">
@@ -3402,7 +3409,7 @@
         </p:blipFill>
         <p:spPr>
           <a:xfrm>
-            <a:off x="6256868" y="2776457"/>
+            <a:off x="6256869" y="2136377"/>
             <a:ext cx="5291667" cy="3527777"/>
           </a:xfrm>
           <a:prstGeom prst="rect">
@@ -3424,8 +3431,8 @@
         </p:nvSpPr>
         <p:spPr>
           <a:xfrm>
-            <a:off x="643468" y="1927274"/>
-            <a:ext cx="5869874" cy="369332"/>
+            <a:off x="643468" y="1213047"/>
+            <a:ext cx="5869874" cy="923330"/>
           </a:xfrm>
           <a:prstGeom prst="rect">
             <a:avLst/>
@@ -3439,8 +3446,14 @@
           <a:lstStyle/>
           <a:p>
             <a:r>
-              <a:rPr lang="es-ES_tradnl" dirty="0"/>
-              <a:t>I SPEAK:</a:t>
+              <a:rPr lang="es-ES_tradnl" sz="5400" dirty="0">
+                <a:latin typeface="☞SQUARTIQA 4F INLINE" pitchFamily="2" charset="0"/>
+              </a:rPr>
+              <a:t>I SPEAK</a:t>
+            </a:r>
+            <a:r>
+              <a:rPr lang="es-ES_tradnl" sz="5400" dirty="0"/>
+              <a:t>:</a:t>
             </a:r>
           </a:p>
         </p:txBody>
@@ -3449,6 +3462,655 @@
     <p:extLst>
       <p:ext uri="{BB962C8B-B14F-4D97-AF65-F5344CB8AC3E}">
         <p14:creationId xmlns:p14="http://schemas.microsoft.com/office/powerpoint/2010/main" val="3571178768"/>
+      </p:ext>
+    </p:extLst>
+  </p:cSld>
+  <p:clrMapOvr>
+    <a:masterClrMapping/>
+  </p:clrMapOvr>
+</p:sld>
+</file>
+
+<file path=ppt/slides/slide2.xml><?xml version="1.0" encoding="utf-8"?>
+<p:sld xmlns:a="http://schemas.openxmlformats.org/drawingml/2006/main" xmlns:r="http://schemas.openxmlformats.org/officeDocument/2006/relationships" xmlns:p="http://schemas.openxmlformats.org/presentationml/2006/main">
+  <p:cSld>
+    <p:bg>
+      <p:bgPr>
+        <a:solidFill>
+          <a:srgbClr val="F2F2F2"/>
+        </a:solidFill>
+        <a:effectLst/>
+      </p:bgPr>
+    </p:bg>
+    <p:spTree>
+      <p:nvGrpSpPr>
+        <p:cNvPr id="1" name=""/>
+        <p:cNvGrpSpPr/>
+        <p:nvPr/>
+      </p:nvGrpSpPr>
+      <p:grpSpPr>
+        <a:xfrm>
+          <a:off x="0" y="0"/>
+          <a:ext cx="0" cy="0"/>
+          <a:chOff x="0" y="0"/>
+          <a:chExt cx="0" cy="0"/>
+        </a:xfrm>
+      </p:grpSpPr>
+      <p:sp useBgFill="1">
+        <p:nvSpPr>
+          <p:cNvPr id="19" name="Rectangle 13">
+            <a:extLst>
+              <a:ext uri="{FF2B5EF4-FFF2-40B4-BE49-F238E27FC236}">
+                <a16:creationId xmlns:a16="http://schemas.microsoft.com/office/drawing/2014/main" id="{9D25F302-27C5-414F-97F8-6EA0A6C028BA}"/>
+              </a:ext>
+              <a:ext uri="{C183D7F6-B498-43B3-948B-1728B52AA6E4}">
+                <adec:decorative xmlns:adec="http://schemas.microsoft.com/office/drawing/2017/decorative" val="1"/>
+              </a:ext>
+            </a:extLst>
+          </p:cNvPr>
+          <p:cNvSpPr>
+            <a:spLocks noGrp="1" noRot="1" noChangeAspect="1" noMove="1" noResize="1" noEditPoints="1" noAdjustHandles="1" noChangeArrowheads="1" noChangeShapeType="1" noTextEdit="1"/>
+          </p:cNvSpPr>
+          <p:nvPr>
+            <p:extLst>
+              <p:ext uri="{386F3935-93C4-4BCD-93E2-E3B085C9AB24}">
+                <p16:designElem xmlns:p16="http://schemas.microsoft.com/office/powerpoint/2015/main" val="1"/>
+              </p:ext>
+            </p:extLst>
+          </p:nvPr>
+        </p:nvSpPr>
+        <p:spPr>
+          <a:xfrm>
+            <a:off x="0" y="0"/>
+            <a:ext cx="12192000" cy="6858000"/>
+          </a:xfrm>
+          <a:prstGeom prst="rect">
+            <a:avLst/>
+          </a:prstGeom>
+          <a:ln>
+            <a:noFill/>
+          </a:ln>
+        </p:spPr>
+        <p:style>
+          <a:lnRef idx="2">
+            <a:schemeClr val="accent1">
+              <a:shade val="50000"/>
+            </a:schemeClr>
+          </a:lnRef>
+          <a:fillRef idx="1">
+            <a:schemeClr val="accent1"/>
+          </a:fillRef>
+          <a:effectRef idx="0">
+            <a:schemeClr val="accent1"/>
+          </a:effectRef>
+          <a:fontRef idx="minor">
+            <a:schemeClr val="lt1"/>
+          </a:fontRef>
+        </p:style>
+        <p:txBody>
+          <a:bodyPr rtlCol="0" anchor="ctr"/>
+          <a:lstStyle/>
+          <a:p>
+            <a:pPr algn="ctr"/>
+            <a:endParaRPr lang="en-US"/>
+          </a:p>
+        </p:txBody>
+      </p:sp>
+      <p:pic>
+        <p:nvPicPr>
+          <p:cNvPr id="7" name="Picture 6" descr="A picture containing logo, font, symbol, graphics&#10;&#10;Description automatically generated">
+            <a:extLst>
+              <a:ext uri="{FF2B5EF4-FFF2-40B4-BE49-F238E27FC236}">
+                <a16:creationId xmlns:a16="http://schemas.microsoft.com/office/drawing/2014/main" id="{2EBF7F91-6A79-6166-A0FE-58EC21242724}"/>
+              </a:ext>
+            </a:extLst>
+          </p:cNvPr>
+          <p:cNvPicPr>
+            <a:picLocks noChangeAspect="1"/>
+          </p:cNvPicPr>
+          <p:nvPr/>
+        </p:nvPicPr>
+        <p:blipFill>
+          <a:blip r:embed="rId2"/>
+          <a:stretch>
+            <a:fillRect/>
+          </a:stretch>
+        </p:blipFill>
+        <p:spPr>
+          <a:xfrm>
+            <a:off x="645173" y="623275"/>
+            <a:ext cx="4830795" cy="2644859"/>
+          </a:xfrm>
+          <a:prstGeom prst="rect">
+            <a:avLst/>
+          </a:prstGeom>
+        </p:spPr>
+      </p:pic>
+      <p:pic>
+        <p:nvPicPr>
+          <p:cNvPr id="5" name="Content Placeholder 4" descr="A picture containing flag, rectangle, flag of the united states, symbol&#10;&#10;Description automatically generated">
+            <a:extLst>
+              <a:ext uri="{FF2B5EF4-FFF2-40B4-BE49-F238E27FC236}">
+                <a16:creationId xmlns:a16="http://schemas.microsoft.com/office/drawing/2014/main" id="{973F2E3C-E664-82D7-567E-611E13328BF6}"/>
+              </a:ext>
+            </a:extLst>
+          </p:cNvPr>
+          <p:cNvPicPr>
+            <a:picLocks noChangeAspect="1"/>
+          </p:cNvPicPr>
+          <p:nvPr/>
+        </p:nvPicPr>
+        <p:blipFill>
+          <a:blip r:embed="rId3"/>
+          <a:stretch>
+            <a:fillRect/>
+          </a:stretch>
+        </p:blipFill>
+        <p:spPr>
+          <a:xfrm>
+            <a:off x="621676" y="3795959"/>
+            <a:ext cx="5298894" cy="2225535"/>
+          </a:xfrm>
+          <a:prstGeom prst="rect">
+            <a:avLst/>
+          </a:prstGeom>
+        </p:spPr>
+      </p:pic>
+      <p:sp>
+        <p:nvSpPr>
+          <p:cNvPr id="20" name="Right Triangle 15">
+            <a:extLst>
+              <a:ext uri="{FF2B5EF4-FFF2-40B4-BE49-F238E27FC236}">
+                <a16:creationId xmlns:a16="http://schemas.microsoft.com/office/drawing/2014/main" id="{830A36F8-48C2-4842-A87B-8CE8DF4E7FD2}"/>
+              </a:ext>
+              <a:ext uri="{C183D7F6-B498-43B3-948B-1728B52AA6E4}">
+                <adec:decorative xmlns:adec="http://schemas.microsoft.com/office/drawing/2017/decorative" val="1"/>
+              </a:ext>
+            </a:extLst>
+          </p:cNvPr>
+          <p:cNvSpPr>
+            <a:spLocks noGrp="1" noRot="1" noChangeAspect="1" noMove="1" noResize="1" noEditPoints="1" noAdjustHandles="1" noChangeArrowheads="1" noChangeShapeType="1" noTextEdit="1"/>
+          </p:cNvSpPr>
+          <p:nvPr>
+            <p:extLst>
+              <p:ext uri="{386F3935-93C4-4BCD-93E2-E3B085C9AB24}">
+                <p16:designElem xmlns:p16="http://schemas.microsoft.com/office/powerpoint/2015/main" val="1"/>
+              </p:ext>
+            </p:extLst>
+          </p:nvPr>
+        </p:nvSpPr>
+        <p:spPr>
+          <a:xfrm flipH="1">
+            <a:off x="8576720" y="3335867"/>
+            <a:ext cx="3291840" cy="3200400"/>
+          </a:xfrm>
+          <a:prstGeom prst="rtTriangle">
+            <a:avLst/>
+          </a:prstGeom>
+          <a:solidFill>
+            <a:schemeClr val="accent4"/>
+          </a:solidFill>
+          <a:ln>
+            <a:noFill/>
+          </a:ln>
+        </p:spPr>
+        <p:style>
+          <a:lnRef idx="2">
+            <a:schemeClr val="accent1">
+              <a:shade val="50000"/>
+            </a:schemeClr>
+          </a:lnRef>
+          <a:fillRef idx="1">
+            <a:schemeClr val="accent1"/>
+          </a:fillRef>
+          <a:effectRef idx="0">
+            <a:schemeClr val="accent1"/>
+          </a:effectRef>
+          <a:fontRef idx="minor">
+            <a:schemeClr val="lt1"/>
+          </a:fontRef>
+        </p:style>
+        <p:txBody>
+          <a:bodyPr rtlCol="0" anchor="ctr"/>
+          <a:lstStyle/>
+          <a:p>
+            <a:pPr algn="ctr"/>
+            <a:endParaRPr lang="en-US" dirty="0"/>
+          </a:p>
+        </p:txBody>
+      </p:sp>
+      <p:sp>
+        <p:nvSpPr>
+          <p:cNvPr id="18" name="Rectangle 17">
+            <a:extLst>
+              <a:ext uri="{FF2B5EF4-FFF2-40B4-BE49-F238E27FC236}">
+                <a16:creationId xmlns:a16="http://schemas.microsoft.com/office/drawing/2014/main" id="{086A5A31-B10A-4793-84D4-D785959AE5B8}"/>
+              </a:ext>
+              <a:ext uri="{C183D7F6-B498-43B3-948B-1728B52AA6E4}">
+                <adec:decorative xmlns:adec="http://schemas.microsoft.com/office/drawing/2017/decorative" val="1"/>
+              </a:ext>
+            </a:extLst>
+          </p:cNvPr>
+          <p:cNvSpPr>
+            <a:spLocks noGrp="1" noRot="1" noChangeAspect="1" noMove="1" noResize="1" noEditPoints="1" noAdjustHandles="1" noChangeArrowheads="1" noChangeShapeType="1" noTextEdit="1"/>
+          </p:cNvSpPr>
+          <p:nvPr>
+            <p:extLst>
+              <p:ext uri="{386F3935-93C4-4BCD-93E2-E3B085C9AB24}">
+                <p16:designElem xmlns:p16="http://schemas.microsoft.com/office/powerpoint/2015/main" val="1"/>
+              </p:ext>
+            </p:extLst>
+          </p:nvPr>
+        </p:nvSpPr>
+        <p:spPr>
+          <a:xfrm>
+            <a:off x="6405201" y="623275"/>
+            <a:ext cx="5141626" cy="5607882"/>
+          </a:xfrm>
+          <a:prstGeom prst="rect">
+            <a:avLst/>
+          </a:prstGeom>
+          <a:noFill/>
+          <a:ln w="19050">
+            <a:solidFill>
+              <a:schemeClr val="tx1">
+                <a:lumMod val="75000"/>
+                <a:lumOff val="25000"/>
+              </a:schemeClr>
+            </a:solidFill>
+          </a:ln>
+        </p:spPr>
+        <p:style>
+          <a:lnRef idx="2">
+            <a:schemeClr val="accent1">
+              <a:shade val="50000"/>
+            </a:schemeClr>
+          </a:lnRef>
+          <a:fillRef idx="1">
+            <a:schemeClr val="accent1"/>
+          </a:fillRef>
+          <a:effectRef idx="0">
+            <a:schemeClr val="accent1"/>
+          </a:effectRef>
+          <a:fontRef idx="minor">
+            <a:schemeClr val="lt1"/>
+          </a:fontRef>
+        </p:style>
+        <p:txBody>
+          <a:bodyPr rtlCol="0" anchor="ctr"/>
+          <a:lstStyle/>
+          <a:p>
+            <a:pPr algn="ctr"/>
+            <a:endParaRPr lang="en-US"/>
+          </a:p>
+        </p:txBody>
+      </p:sp>
+      <p:sp>
+        <p:nvSpPr>
+          <p:cNvPr id="11" name="Content Placeholder 10">
+            <a:extLst>
+              <a:ext uri="{FF2B5EF4-FFF2-40B4-BE49-F238E27FC236}">
+                <a16:creationId xmlns:a16="http://schemas.microsoft.com/office/drawing/2014/main" id="{6DF9891F-43E1-F1CA-AC81-4D9BACC95BB9}"/>
+              </a:ext>
+            </a:extLst>
+          </p:cNvPr>
+          <p:cNvSpPr>
+            <a:spLocks noGrp="1"/>
+          </p:cNvSpPr>
+          <p:nvPr>
+            <p:ph idx="1"/>
+          </p:nvPr>
+        </p:nvSpPr>
+        <p:spPr>
+          <a:xfrm>
+            <a:off x="6889832" y="2998278"/>
+            <a:ext cx="3709743" cy="1959387"/>
+          </a:xfrm>
+        </p:spPr>
+        <p:txBody>
+          <a:bodyPr anchor="t">
+            <a:normAutofit/>
+          </a:bodyPr>
+          <a:lstStyle/>
+          <a:p>
+            <a:endParaRPr lang="en-US" sz="2000"/>
+          </a:p>
+        </p:txBody>
+      </p:sp>
+    </p:spTree>
+    <p:extLst>
+      <p:ext uri="{BB962C8B-B14F-4D97-AF65-F5344CB8AC3E}">
+        <p14:creationId xmlns:p14="http://schemas.microsoft.com/office/powerpoint/2010/main" val="680502904"/>
+      </p:ext>
+    </p:extLst>
+  </p:cSld>
+  <p:clrMapOvr>
+    <a:masterClrMapping/>
+  </p:clrMapOvr>
+</p:sld>
+</file>
+
+<file path=ppt/slides/slide3.xml><?xml version="1.0" encoding="utf-8"?>
+<p:sld xmlns:a="http://schemas.openxmlformats.org/drawingml/2006/main" xmlns:r="http://schemas.openxmlformats.org/officeDocument/2006/relationships" xmlns:p="http://schemas.openxmlformats.org/presentationml/2006/main">
+  <p:cSld>
+    <p:bg>
+      <p:bgPr>
+        <a:solidFill>
+          <a:schemeClr val="bg1"/>
+        </a:solidFill>
+        <a:effectLst/>
+      </p:bgPr>
+    </p:bg>
+    <p:spTree>
+      <p:nvGrpSpPr>
+        <p:cNvPr id="1" name=""/>
+        <p:cNvGrpSpPr/>
+        <p:nvPr/>
+      </p:nvGrpSpPr>
+      <p:grpSpPr>
+        <a:xfrm>
+          <a:off x="0" y="0"/>
+          <a:ext cx="0" cy="0"/>
+          <a:chOff x="0" y="0"/>
+          <a:chExt cx="0" cy="0"/>
+        </a:xfrm>
+      </p:grpSpPr>
+      <p:sp useBgFill="1">
+        <p:nvSpPr>
+          <p:cNvPr id="40" name="Rectangle 33">
+            <a:extLst>
+              <a:ext uri="{FF2B5EF4-FFF2-40B4-BE49-F238E27FC236}">
+                <a16:creationId xmlns:a16="http://schemas.microsoft.com/office/drawing/2014/main" id="{33E72FA3-BD00-444A-AD9B-E6C3D069CDE3}"/>
+              </a:ext>
+              <a:ext uri="{C183D7F6-B498-43B3-948B-1728B52AA6E4}">
+                <adec:decorative xmlns:adec="http://schemas.microsoft.com/office/drawing/2017/decorative" val="1"/>
+              </a:ext>
+            </a:extLst>
+          </p:cNvPr>
+          <p:cNvSpPr>
+            <a:spLocks noGrp="1" noRot="1" noChangeAspect="1" noMove="1" noResize="1" noEditPoints="1" noAdjustHandles="1" noChangeArrowheads="1" noChangeShapeType="1" noTextEdit="1"/>
+          </p:cNvSpPr>
+          <p:nvPr>
+            <p:extLst>
+              <p:ext uri="{386F3935-93C4-4BCD-93E2-E3B085C9AB24}">
+                <p16:designElem xmlns:p16="http://schemas.microsoft.com/office/powerpoint/2015/main" val="1"/>
+              </p:ext>
+            </p:extLst>
+          </p:nvPr>
+        </p:nvSpPr>
+        <p:spPr>
+          <a:xfrm>
+            <a:off x="-50801" y="0"/>
+            <a:ext cx="12188952" cy="6858000"/>
+          </a:xfrm>
+          <a:prstGeom prst="rect">
+            <a:avLst/>
+          </a:prstGeom>
+          <a:ln>
+            <a:noFill/>
+          </a:ln>
+        </p:spPr>
+        <p:style>
+          <a:lnRef idx="2">
+            <a:schemeClr val="accent1">
+              <a:shade val="50000"/>
+            </a:schemeClr>
+          </a:lnRef>
+          <a:fillRef idx="1">
+            <a:schemeClr val="accent1"/>
+          </a:fillRef>
+          <a:effectRef idx="0">
+            <a:schemeClr val="accent1"/>
+          </a:effectRef>
+          <a:fontRef idx="minor">
+            <a:schemeClr val="lt1"/>
+          </a:fontRef>
+        </p:style>
+        <p:txBody>
+          <a:bodyPr rtlCol="0" anchor="ctr"/>
+          <a:lstStyle/>
+          <a:p>
+            <a:pPr algn="ctr"/>
+            <a:endParaRPr lang="en-US"/>
+          </a:p>
+        </p:txBody>
+      </p:sp>
+      <p:sp>
+        <p:nvSpPr>
+          <p:cNvPr id="24" name="TextBox 23">
+            <a:extLst>
+              <a:ext uri="{FF2B5EF4-FFF2-40B4-BE49-F238E27FC236}">
+                <a16:creationId xmlns:a16="http://schemas.microsoft.com/office/drawing/2014/main" id="{FD24D716-4FE4-C88C-6A36-0B7A54C02C1A}"/>
+              </a:ext>
+            </a:extLst>
+          </p:cNvPr>
+          <p:cNvSpPr txBox="1"/>
+          <p:nvPr/>
+        </p:nvSpPr>
+        <p:spPr>
+          <a:xfrm>
+            <a:off x="838200" y="557189"/>
+            <a:ext cx="10515600" cy="1110537"/>
+          </a:xfrm>
+          <a:prstGeom prst="rect">
+            <a:avLst/>
+          </a:prstGeom>
+        </p:spPr>
+        <p:txBody>
+          <a:bodyPr vert="horz" lIns="91440" tIns="45720" rIns="91440" bIns="45720" rtlCol="0" anchor="ctr">
+            <a:normAutofit/>
+          </a:bodyPr>
+          <a:lstStyle/>
+          <a:p>
+            <a:pPr>
+              <a:lnSpc>
+                <a:spcPct val="90000"/>
+              </a:lnSpc>
+              <a:spcBef>
+                <a:spcPct val="0"/>
+              </a:spcBef>
+              <a:spcAft>
+                <a:spcPts val="600"/>
+              </a:spcAft>
+            </a:pPr>
+            <a:r>
+              <a:rPr lang="en-US" sz="5400" kern="1200" dirty="0">
+                <a:solidFill>
+                  <a:schemeClr val="tx1"/>
+                </a:solidFill>
+                <a:latin typeface="☞SQUARTIQA 4F INLINE" pitchFamily="2" charset="0"/>
+                <a:ea typeface="+mj-ea"/>
+                <a:cs typeface="+mj-cs"/>
+              </a:rPr>
+              <a:t>I know:</a:t>
+            </a:r>
+          </a:p>
+        </p:txBody>
+      </p:sp>
+      <p:pic>
+        <p:nvPicPr>
+          <p:cNvPr id="3" name="Picture 2" descr="A blue and yellow snake logo&#10;&#10;Description automatically generated with low confidence">
+            <a:extLst>
+              <a:ext uri="{FF2B5EF4-FFF2-40B4-BE49-F238E27FC236}">
+                <a16:creationId xmlns:a16="http://schemas.microsoft.com/office/drawing/2014/main" id="{A52F9BB5-CEEB-A629-58C3-3B7ACECB2E7F}"/>
+              </a:ext>
+            </a:extLst>
+          </p:cNvPr>
+          <p:cNvPicPr>
+            <a:picLocks noChangeAspect="1"/>
+          </p:cNvPicPr>
+          <p:nvPr/>
+        </p:nvPicPr>
+        <p:blipFill>
+          <a:blip r:embed="rId2"/>
+          <a:stretch>
+            <a:fillRect/>
+          </a:stretch>
+        </p:blipFill>
+        <p:spPr>
+          <a:xfrm>
+            <a:off x="1156643" y="1834939"/>
+            <a:ext cx="1876990" cy="2056976"/>
+          </a:xfrm>
+          <a:prstGeom prst="rect">
+            <a:avLst/>
+          </a:prstGeom>
+        </p:spPr>
+      </p:pic>
+      <p:pic>
+        <p:nvPicPr>
+          <p:cNvPr id="7" name="Picture 6" descr="A picture containing red, logo, graphics, design&#10;&#10;Description automatically generated">
+            <a:extLst>
+              <a:ext uri="{FF2B5EF4-FFF2-40B4-BE49-F238E27FC236}">
+                <a16:creationId xmlns:a16="http://schemas.microsoft.com/office/drawing/2014/main" id="{DBF455BF-8104-7FF9-1961-B4B87E7B4079}"/>
+              </a:ext>
+            </a:extLst>
+          </p:cNvPr>
+          <p:cNvPicPr>
+            <a:picLocks noChangeAspect="1"/>
+          </p:cNvPicPr>
+          <p:nvPr/>
+        </p:nvPicPr>
+        <p:blipFill>
+          <a:blip r:embed="rId3"/>
+          <a:stretch>
+            <a:fillRect/>
+          </a:stretch>
+        </p:blipFill>
+        <p:spPr>
+          <a:xfrm>
+            <a:off x="5062585" y="1834939"/>
+            <a:ext cx="2056976" cy="2056976"/>
+          </a:xfrm>
+          <a:prstGeom prst="rect">
+            <a:avLst/>
+          </a:prstGeom>
+        </p:spPr>
+      </p:pic>
+      <p:pic>
+        <p:nvPicPr>
+          <p:cNvPr id="9" name="Picture 8" descr="A blue and white logo&#10;&#10;Description automatically generated with medium confidence">
+            <a:extLst>
+              <a:ext uri="{FF2B5EF4-FFF2-40B4-BE49-F238E27FC236}">
+                <a16:creationId xmlns:a16="http://schemas.microsoft.com/office/drawing/2014/main" id="{275CDCC6-77CE-08C0-1546-FD027A3BDE71}"/>
+              </a:ext>
+            </a:extLst>
+          </p:cNvPr>
+          <p:cNvPicPr>
+            <a:picLocks noChangeAspect="1"/>
+          </p:cNvPicPr>
+          <p:nvPr/>
+        </p:nvPicPr>
+        <p:blipFill>
+          <a:blip r:embed="rId4"/>
+          <a:stretch>
+            <a:fillRect/>
+          </a:stretch>
+        </p:blipFill>
+        <p:spPr>
+          <a:xfrm>
+            <a:off x="9055942" y="1834939"/>
+            <a:ext cx="2056976" cy="2056976"/>
+          </a:xfrm>
+          <a:prstGeom prst="rect">
+            <a:avLst/>
+          </a:prstGeom>
+        </p:spPr>
+      </p:pic>
+      <p:pic>
+        <p:nvPicPr>
+          <p:cNvPr id="11" name="Picture 10" descr="A picture containing font, graphics, logo, design&#10;&#10;Description automatically generated">
+            <a:extLst>
+              <a:ext uri="{FF2B5EF4-FFF2-40B4-BE49-F238E27FC236}">
+                <a16:creationId xmlns:a16="http://schemas.microsoft.com/office/drawing/2014/main" id="{4AFC6286-F69A-4793-7F76-3AF2F4190894}"/>
+              </a:ext>
+            </a:extLst>
+          </p:cNvPr>
+          <p:cNvPicPr>
+            <a:picLocks noChangeAspect="1"/>
+          </p:cNvPicPr>
+          <p:nvPr/>
+        </p:nvPicPr>
+        <p:blipFill>
+          <a:blip r:embed="rId5"/>
+          <a:stretch>
+            <a:fillRect/>
+          </a:stretch>
+        </p:blipFill>
+        <p:spPr>
+          <a:xfrm>
+            <a:off x="1066650" y="4063630"/>
+            <a:ext cx="2056976" cy="2056976"/>
+          </a:xfrm>
+          <a:prstGeom prst="rect">
+            <a:avLst/>
+          </a:prstGeom>
+        </p:spPr>
+      </p:pic>
+      <p:pic>
+        <p:nvPicPr>
+          <p:cNvPr id="13" name="Picture 12" descr="A picture containing graphics, circle, symbol, art&#10;&#10;Description automatically generated">
+            <a:extLst>
+              <a:ext uri="{FF2B5EF4-FFF2-40B4-BE49-F238E27FC236}">
+                <a16:creationId xmlns:a16="http://schemas.microsoft.com/office/drawing/2014/main" id="{4D64433C-11E5-A4D3-CA24-5663BA36917E}"/>
+              </a:ext>
+            </a:extLst>
+          </p:cNvPr>
+          <p:cNvPicPr>
+            <a:picLocks noChangeAspect="1"/>
+          </p:cNvPicPr>
+          <p:nvPr/>
+        </p:nvPicPr>
+        <p:blipFill>
+          <a:blip r:embed="rId6"/>
+          <a:stretch>
+            <a:fillRect/>
+          </a:stretch>
+        </p:blipFill>
+        <p:spPr>
+          <a:xfrm>
+            <a:off x="4908903" y="4063630"/>
+            <a:ext cx="2364340" cy="2056976"/>
+          </a:xfrm>
+          <a:prstGeom prst="rect">
+            <a:avLst/>
+          </a:prstGeom>
+        </p:spPr>
+      </p:pic>
+      <p:pic>
+        <p:nvPicPr>
+          <p:cNvPr id="5" name="Picture 4" descr="A blue and red logo&#10;&#10;Description automatically generated with low confidence">
+            <a:extLst>
+              <a:ext uri="{FF2B5EF4-FFF2-40B4-BE49-F238E27FC236}">
+                <a16:creationId xmlns:a16="http://schemas.microsoft.com/office/drawing/2014/main" id="{7F5B3B93-D3E0-B94C-8434-8675FAE8D017}"/>
+              </a:ext>
+            </a:extLst>
+          </p:cNvPr>
+          <p:cNvPicPr>
+            <a:picLocks noChangeAspect="1"/>
+          </p:cNvPicPr>
+          <p:nvPr/>
+        </p:nvPicPr>
+        <p:blipFill>
+          <a:blip r:embed="rId7"/>
+          <a:stretch>
+            <a:fillRect/>
+          </a:stretch>
+        </p:blipFill>
+        <p:spPr>
+          <a:xfrm>
+            <a:off x="8438850" y="4063630"/>
+            <a:ext cx="3291161" cy="2056976"/>
+          </a:xfrm>
+          <a:prstGeom prst="rect">
+            <a:avLst/>
+          </a:prstGeom>
+        </p:spPr>
+      </p:pic>
+    </p:spTree>
+    <p:extLst>
+      <p:ext uri="{BB962C8B-B14F-4D97-AF65-F5344CB8AC3E}">
+        <p14:creationId xmlns:p14="http://schemas.microsoft.com/office/powerpoint/2010/main" val="4130524689"/>
       </p:ext>
     </p:extLst>
   </p:cSld>
